--- a/Библиотеки и фреймворки.pptx
+++ b/Библиотеки и фреймворки.pptx
@@ -11,12 +11,7 @@
     <p:sldId id="259" r:id="rId5"/>
     <p:sldId id="260" r:id="rId6"/>
     <p:sldId id="261" r:id="rId7"/>
-    <p:sldId id="264" r:id="rId8"/>
-    <p:sldId id="262" r:id="rId9"/>
-    <p:sldId id="263" r:id="rId10"/>
-    <p:sldId id="265" r:id="rId11"/>
-    <p:sldId id="266" r:id="rId12"/>
-    <p:sldId id="267" r:id="rId13"/>
+    <p:sldId id="262" r:id="rId8"/>
   </p:sldIdLst>
   <p:sldSz cx="12192000" cy="6858000"/>
   <p:notesSz cx="6858000" cy="9144000"/>
@@ -115,6 +110,11 @@
       </a:defRPr>
     </a:lvl9pPr>
   </p:defaultTextStyle>
+  <p:extLst>
+    <p:ext uri="{EFAFB233-063F-42B5-8137-9DF3F51BA10A}">
+      <p15:sldGuideLst xmlns:p15="http://schemas.microsoft.com/office/powerpoint/2012/main"/>
+    </p:ext>
+  </p:extLst>
 </p:presentation>
 </file>
 
@@ -289,7 +289,7 @@
           <a:p>
             <a:fld id="{187B0ECC-B1DD-4BDF-8AE1-771DEAB1144E}" type="datetimeFigureOut">
               <a:rPr lang="ru-RU" smtClean="0"/>
-              <a:t>01.02.2021</a:t>
+              <a:t>03.02.2021</a:t>
             </a:fld>
             <a:endParaRPr lang="ru-RU"/>
           </a:p>
@@ -601,7 +601,7 @@
           <a:p>
             <a:fld id="{187B0ECC-B1DD-4BDF-8AE1-771DEAB1144E}" type="datetimeFigureOut">
               <a:rPr lang="ru-RU" smtClean="0"/>
-              <a:t>01.02.2021</a:t>
+              <a:t>03.02.2021</a:t>
             </a:fld>
             <a:endParaRPr lang="ru-RU"/>
           </a:p>
@@ -823,7 +823,7 @@
           <a:p>
             <a:fld id="{187B0ECC-B1DD-4BDF-8AE1-771DEAB1144E}" type="datetimeFigureOut">
               <a:rPr lang="ru-RU" smtClean="0"/>
-              <a:t>01.02.2021</a:t>
+              <a:t>03.02.2021</a:t>
             </a:fld>
             <a:endParaRPr lang="ru-RU"/>
           </a:p>
@@ -1114,7 +1114,7 @@
           <a:p>
             <a:fld id="{187B0ECC-B1DD-4BDF-8AE1-771DEAB1144E}" type="datetimeFigureOut">
               <a:rPr lang="ru-RU" smtClean="0"/>
-              <a:t>01.02.2021</a:t>
+              <a:t>03.02.2021</a:t>
             </a:fld>
             <a:endParaRPr lang="ru-RU"/>
           </a:p>
@@ -1568,7 +1568,7 @@
           <a:p>
             <a:fld id="{187B0ECC-B1DD-4BDF-8AE1-771DEAB1144E}" type="datetimeFigureOut">
               <a:rPr lang="ru-RU" smtClean="0"/>
-              <a:t>01.02.2021</a:t>
+              <a:t>03.02.2021</a:t>
             </a:fld>
             <a:endParaRPr lang="ru-RU"/>
           </a:p>
@@ -2144,7 +2144,7 @@
           <a:p>
             <a:fld id="{187B0ECC-B1DD-4BDF-8AE1-771DEAB1144E}" type="datetimeFigureOut">
               <a:rPr lang="ru-RU" smtClean="0"/>
-              <a:t>01.02.2021</a:t>
+              <a:t>03.02.2021</a:t>
             </a:fld>
             <a:endParaRPr lang="ru-RU"/>
           </a:p>
@@ -2996,7 +2996,7 @@
           <a:p>
             <a:fld id="{187B0ECC-B1DD-4BDF-8AE1-771DEAB1144E}" type="datetimeFigureOut">
               <a:rPr lang="ru-RU" smtClean="0"/>
-              <a:t>01.02.2021</a:t>
+              <a:t>03.02.2021</a:t>
             </a:fld>
             <a:endParaRPr lang="ru-RU"/>
           </a:p>
@@ -3201,7 +3201,7 @@
           <a:p>
             <a:fld id="{187B0ECC-B1DD-4BDF-8AE1-771DEAB1144E}" type="datetimeFigureOut">
               <a:rPr lang="ru-RU" smtClean="0"/>
-              <a:t>01.02.2021</a:t>
+              <a:t>03.02.2021</a:t>
             </a:fld>
             <a:endParaRPr lang="ru-RU"/>
           </a:p>
@@ -3415,7 +3415,7 @@
           <a:p>
             <a:fld id="{187B0ECC-B1DD-4BDF-8AE1-771DEAB1144E}" type="datetimeFigureOut">
               <a:rPr lang="ru-RU" smtClean="0"/>
-              <a:t>01.02.2021</a:t>
+              <a:t>03.02.2021</a:t>
             </a:fld>
             <a:endParaRPr lang="ru-RU"/>
           </a:p>
@@ -3585,7 +3585,7 @@
           <a:p>
             <a:fld id="{187B0ECC-B1DD-4BDF-8AE1-771DEAB1144E}" type="datetimeFigureOut">
               <a:rPr lang="ru-RU" smtClean="0"/>
-              <a:t>01.02.2021</a:t>
+              <a:t>03.02.2021</a:t>
             </a:fld>
             <a:endParaRPr lang="ru-RU"/>
           </a:p>
@@ -3790,7 +3790,7 @@
           <a:p>
             <a:fld id="{187B0ECC-B1DD-4BDF-8AE1-771DEAB1144E}" type="datetimeFigureOut">
               <a:rPr lang="ru-RU" smtClean="0"/>
-              <a:t>01.02.2021</a:t>
+              <a:t>03.02.2021</a:t>
             </a:fld>
             <a:endParaRPr lang="ru-RU"/>
           </a:p>
@@ -4070,7 +4070,7 @@
           <a:p>
             <a:fld id="{187B0ECC-B1DD-4BDF-8AE1-771DEAB1144E}" type="datetimeFigureOut">
               <a:rPr lang="ru-RU" smtClean="0"/>
-              <a:t>01.02.2021</a:t>
+              <a:t>03.02.2021</a:t>
             </a:fld>
             <a:endParaRPr lang="ru-RU"/>
           </a:p>
@@ -4337,7 +4337,7 @@
           <a:p>
             <a:fld id="{187B0ECC-B1DD-4BDF-8AE1-771DEAB1144E}" type="datetimeFigureOut">
               <a:rPr lang="ru-RU" smtClean="0"/>
-              <a:t>01.02.2021</a:t>
+              <a:t>03.02.2021</a:t>
             </a:fld>
             <a:endParaRPr lang="ru-RU"/>
           </a:p>
@@ -4752,7 +4752,7 @@
           <a:p>
             <a:fld id="{187B0ECC-B1DD-4BDF-8AE1-771DEAB1144E}" type="datetimeFigureOut">
               <a:rPr lang="ru-RU" smtClean="0"/>
-              <a:t>01.02.2021</a:t>
+              <a:t>03.02.2021</a:t>
             </a:fld>
             <a:endParaRPr lang="ru-RU"/>
           </a:p>
@@ -4900,7 +4900,7 @@
           <a:p>
             <a:fld id="{187B0ECC-B1DD-4BDF-8AE1-771DEAB1144E}" type="datetimeFigureOut">
               <a:rPr lang="ru-RU" smtClean="0"/>
-              <a:t>01.02.2021</a:t>
+              <a:t>03.02.2021</a:t>
             </a:fld>
             <a:endParaRPr lang="ru-RU"/>
           </a:p>
@@ -5025,7 +5025,7 @@
           <a:p>
             <a:fld id="{187B0ECC-B1DD-4BDF-8AE1-771DEAB1144E}" type="datetimeFigureOut">
               <a:rPr lang="ru-RU" smtClean="0"/>
-              <a:t>01.02.2021</a:t>
+              <a:t>03.02.2021</a:t>
             </a:fld>
             <a:endParaRPr lang="ru-RU"/>
           </a:p>
@@ -5304,7 +5304,7 @@
           <a:p>
             <a:fld id="{187B0ECC-B1DD-4BDF-8AE1-771DEAB1144E}" type="datetimeFigureOut">
               <a:rPr lang="ru-RU" smtClean="0"/>
-              <a:t>01.02.2021</a:t>
+              <a:t>03.02.2021</a:t>
             </a:fld>
             <a:endParaRPr lang="ru-RU"/>
           </a:p>
@@ -5616,7 +5616,7 @@
           <a:p>
             <a:fld id="{187B0ECC-B1DD-4BDF-8AE1-771DEAB1144E}" type="datetimeFigureOut">
               <a:rPr lang="ru-RU" smtClean="0"/>
-              <a:t>01.02.2021</a:t>
+              <a:t>03.02.2021</a:t>
             </a:fld>
             <a:endParaRPr lang="ru-RU"/>
           </a:p>
@@ -5869,7 +5869,7 @@
           <a:p>
             <a:fld id="{187B0ECC-B1DD-4BDF-8AE1-771DEAB1144E}" type="datetimeFigureOut">
               <a:rPr lang="ru-RU" smtClean="0"/>
-              <a:t>01.02.2021</a:t>
+              <a:t>03.02.2021</a:t>
             </a:fld>
             <a:endParaRPr lang="ru-RU"/>
           </a:p>
@@ -6339,7 +6339,7 @@
           <a:p>
             <a:r>
               <a:rPr lang="ru-RU" dirty="0"/>
-              <a:t>Обзор и сравнение основных фреймворков и библиотек</a:t>
+              <a:t>библиотеки</a:t>
             </a:r>
           </a:p>
         </p:txBody>
@@ -6348,201 +6348,6 @@
     <p:extLst>
       <p:ext uri="{BB962C8B-B14F-4D97-AF65-F5344CB8AC3E}">
         <p14:creationId xmlns:p14="http://schemas.microsoft.com/office/powerpoint/2010/main" val="2624237082"/>
-      </p:ext>
-    </p:extLst>
-  </p:cSld>
-  <p:clrMapOvr>
-    <a:masterClrMapping/>
-  </p:clrMapOvr>
-</p:sld>
-</file>
-
-<file path=ppt/slides/slide10.xml><?xml version="1.0" encoding="utf-8"?>
-<p:sld xmlns:a="http://schemas.openxmlformats.org/drawingml/2006/main" xmlns:r="http://schemas.openxmlformats.org/officeDocument/2006/relationships" xmlns:p="http://schemas.openxmlformats.org/presentationml/2006/main">
-  <p:cSld>
-    <p:spTree>
-      <p:nvGrpSpPr>
-        <p:cNvPr id="1" name=""/>
-        <p:cNvGrpSpPr/>
-        <p:nvPr/>
-      </p:nvGrpSpPr>
-      <p:grpSpPr>
-        <a:xfrm>
-          <a:off x="0" y="0"/>
-          <a:ext cx="0" cy="0"/>
-          <a:chOff x="0" y="0"/>
-          <a:chExt cx="0" cy="0"/>
-        </a:xfrm>
-      </p:grpSpPr>
-      <p:pic>
-        <p:nvPicPr>
-          <p:cNvPr id="5" name="Объект 4">
-            <a:extLst>
-              <a:ext uri="{FF2B5EF4-FFF2-40B4-BE49-F238E27FC236}">
-                <a16:creationId xmlns:a16="http://schemas.microsoft.com/office/drawing/2014/main" id="{8BAEFD27-1179-44DD-BD28-FC0AECFB2C54}"/>
-              </a:ext>
-            </a:extLst>
-          </p:cNvPr>
-          <p:cNvPicPr>
-            <a:picLocks noGrp="1" noChangeAspect="1"/>
-          </p:cNvPicPr>
-          <p:nvPr>
-            <p:ph idx="1"/>
-          </p:nvPr>
-        </p:nvPicPr>
-        <p:blipFill>
-          <a:blip r:embed="rId2">
-            <a:extLst>
-              <a:ext uri="{28A0092B-C50C-407E-A947-70E740481C1C}">
-                <a14:useLocalDpi xmlns:a14="http://schemas.microsoft.com/office/drawing/2010/main" val="0"/>
-              </a:ext>
-            </a:extLst>
-          </a:blip>
-          <a:stretch>
-            <a:fillRect/>
-          </a:stretch>
-        </p:blipFill>
-        <p:spPr>
-          <a:xfrm>
-            <a:off x="759068" y="668216"/>
-            <a:ext cx="10673863" cy="5662246"/>
-          </a:xfrm>
-        </p:spPr>
-      </p:pic>
-    </p:spTree>
-    <p:extLst>
-      <p:ext uri="{BB962C8B-B14F-4D97-AF65-F5344CB8AC3E}">
-        <p14:creationId xmlns:p14="http://schemas.microsoft.com/office/powerpoint/2010/main" val="4275613345"/>
-      </p:ext>
-    </p:extLst>
-  </p:cSld>
-  <p:clrMapOvr>
-    <a:masterClrMapping/>
-  </p:clrMapOvr>
-</p:sld>
-</file>
-
-<file path=ppt/slides/slide11.xml><?xml version="1.0" encoding="utf-8"?>
-<p:sld xmlns:a="http://schemas.openxmlformats.org/drawingml/2006/main" xmlns:r="http://schemas.openxmlformats.org/officeDocument/2006/relationships" xmlns:p="http://schemas.openxmlformats.org/presentationml/2006/main">
-  <p:cSld>
-    <p:spTree>
-      <p:nvGrpSpPr>
-        <p:cNvPr id="1" name=""/>
-        <p:cNvGrpSpPr/>
-        <p:nvPr/>
-      </p:nvGrpSpPr>
-      <p:grpSpPr>
-        <a:xfrm>
-          <a:off x="0" y="0"/>
-          <a:ext cx="0" cy="0"/>
-          <a:chOff x="0" y="0"/>
-          <a:chExt cx="0" cy="0"/>
-        </a:xfrm>
-      </p:grpSpPr>
-      <p:pic>
-        <p:nvPicPr>
-          <p:cNvPr id="5" name="Объект 4">
-            <a:extLst>
-              <a:ext uri="{FF2B5EF4-FFF2-40B4-BE49-F238E27FC236}">
-                <a16:creationId xmlns:a16="http://schemas.microsoft.com/office/drawing/2014/main" id="{C8B9196B-ADCC-41DB-8996-782E0B10E249}"/>
-              </a:ext>
-            </a:extLst>
-          </p:cNvPr>
-          <p:cNvPicPr>
-            <a:picLocks noGrp="1" noChangeAspect="1"/>
-          </p:cNvPicPr>
-          <p:nvPr>
-            <p:ph idx="1"/>
-          </p:nvPr>
-        </p:nvPicPr>
-        <p:blipFill>
-          <a:blip r:embed="rId2">
-            <a:extLst>
-              <a:ext uri="{28A0092B-C50C-407E-A947-70E740481C1C}">
-                <a14:useLocalDpi xmlns:a14="http://schemas.microsoft.com/office/drawing/2010/main" val="0"/>
-              </a:ext>
-            </a:extLst>
-          </a:blip>
-          <a:stretch>
-            <a:fillRect/>
-          </a:stretch>
-        </p:blipFill>
-        <p:spPr>
-          <a:xfrm>
-            <a:off x="606670" y="659423"/>
-            <a:ext cx="10700238" cy="5811715"/>
-          </a:xfrm>
-        </p:spPr>
-      </p:pic>
-    </p:spTree>
-    <p:extLst>
-      <p:ext uri="{BB962C8B-B14F-4D97-AF65-F5344CB8AC3E}">
-        <p14:creationId xmlns:p14="http://schemas.microsoft.com/office/powerpoint/2010/main" val="1075124026"/>
-      </p:ext>
-    </p:extLst>
-  </p:cSld>
-  <p:clrMapOvr>
-    <a:masterClrMapping/>
-  </p:clrMapOvr>
-</p:sld>
-</file>
-
-<file path=ppt/slides/slide12.xml><?xml version="1.0" encoding="utf-8"?>
-<p:sld xmlns:a="http://schemas.openxmlformats.org/drawingml/2006/main" xmlns:r="http://schemas.openxmlformats.org/officeDocument/2006/relationships" xmlns:p="http://schemas.openxmlformats.org/presentationml/2006/main">
-  <p:cSld>
-    <p:spTree>
-      <p:nvGrpSpPr>
-        <p:cNvPr id="1" name=""/>
-        <p:cNvGrpSpPr/>
-        <p:nvPr/>
-      </p:nvGrpSpPr>
-      <p:grpSpPr>
-        <a:xfrm>
-          <a:off x="0" y="0"/>
-          <a:ext cx="0" cy="0"/>
-          <a:chOff x="0" y="0"/>
-          <a:chExt cx="0" cy="0"/>
-        </a:xfrm>
-      </p:grpSpPr>
-      <p:pic>
-        <p:nvPicPr>
-          <p:cNvPr id="5" name="Объект 4">
-            <a:extLst>
-              <a:ext uri="{FF2B5EF4-FFF2-40B4-BE49-F238E27FC236}">
-                <a16:creationId xmlns:a16="http://schemas.microsoft.com/office/drawing/2014/main" id="{FFF9F968-A0A4-4B17-AA5A-48D6496B6A7B}"/>
-              </a:ext>
-            </a:extLst>
-          </p:cNvPr>
-          <p:cNvPicPr>
-            <a:picLocks noGrp="1" noChangeAspect="1"/>
-          </p:cNvPicPr>
-          <p:nvPr>
-            <p:ph idx="1"/>
-          </p:nvPr>
-        </p:nvPicPr>
-        <p:blipFill>
-          <a:blip r:embed="rId2">
-            <a:extLst>
-              <a:ext uri="{28A0092B-C50C-407E-A947-70E740481C1C}">
-                <a14:useLocalDpi xmlns:a14="http://schemas.microsoft.com/office/drawing/2010/main" val="0"/>
-              </a:ext>
-            </a:extLst>
-          </a:blip>
-          <a:stretch>
-            <a:fillRect/>
-          </a:stretch>
-        </p:blipFill>
-        <p:spPr>
-          <a:xfrm>
-            <a:off x="1019909" y="276969"/>
-            <a:ext cx="10278206" cy="6053493"/>
-          </a:xfrm>
-        </p:spPr>
-      </p:pic>
-    </p:spTree>
-    <p:extLst>
-      <p:ext uri="{BB962C8B-B14F-4D97-AF65-F5344CB8AC3E}">
-        <p14:creationId xmlns:p14="http://schemas.microsoft.com/office/powerpoint/2010/main" val="2639521216"/>
       </p:ext>
     </p:extLst>
   </p:cSld>
@@ -6616,14 +6421,21 @@
         <p:spPr/>
         <p:txBody>
           <a:bodyPr>
-            <a:normAutofit/>
+            <a:normAutofit fontScale="70000" lnSpcReduction="20000"/>
           </a:bodyPr>
           <a:lstStyle/>
           <a:p>
             <a:r>
-              <a:rPr lang="ru-RU" sz="2700" dirty="0"/>
-              <a:t>Библиотека – это чаще всего набор готовых классов, методов, решений типичных задач, заточенных под что-то определенное. Библиотека становится при подключении частью приложения и никак не влияет на его архитектуру.</a:t>
-            </a:r>
+              <a:rPr lang="ru-RU" sz="2400" b="0" i="0" dirty="0">
+                <a:solidFill>
+                  <a:srgbClr val="000000"/>
+                </a:solidFill>
+                <a:effectLst/>
+                <a:latin typeface="-apple-system"/>
+              </a:rPr>
+              <a:t>Когда первоначально программисты начинали писать код, они писали все с 0, когда кодовая база накоплялась все больше и больше, они заметили, что многие куски кода они пишут повторно, и эти куски почти не отличаются друг от друга. Например: работа с файлами в определенной операционной системе, и код, который помогает работать с файлами он тоже везде одинаковый, и соответственно зачем постоянно писать код заново, если можно взять готовое решение постороннего разработчика и использовать его у себя в проекте. Именно такие куски кода, которые представляют единственный рабочий функционал, назвали в программировании «библиотекой». То есть библиотека – это какой-то кусок кода, который лежит где-то на удаленном сервере, и этот кусок кода доступен всем. Например, на GitHub мы знаем открытые публичные репозитории с разнообразными библиотеками и мы можем зайти на этот сайт, где лежит библиотека, или несколько библиотек, и скачать нужную библиотеку (кусок кода) и работать с ним.</a:t>
+            </a:r>
+            <a:endParaRPr lang="ru-RU" sz="2700" dirty="0"/>
           </a:p>
         </p:txBody>
       </p:sp>
@@ -6659,10 +6471,10 @@
       </p:grpSpPr>
       <p:sp>
         <p:nvSpPr>
-          <p:cNvPr id="2" name="Заголовок 1">
+          <p:cNvPr id="6" name="Заголовок 5">
             <a:extLst>
               <a:ext uri="{FF2B5EF4-FFF2-40B4-BE49-F238E27FC236}">
-                <a16:creationId xmlns:a16="http://schemas.microsoft.com/office/drawing/2014/main" id="{85DBBDC6-B28C-4B0A-AA2E-50C3DFD5FFEA}"/>
+                <a16:creationId xmlns:a16="http://schemas.microsoft.com/office/drawing/2014/main" id="{3FEB04F2-ECA7-432F-BE24-3EC3D894B16C}"/>
               </a:ext>
             </a:extLst>
           </p:cNvPr>
@@ -6679,18 +6491,19 @@
           <a:lstStyle/>
           <a:p>
             <a:r>
-              <a:rPr lang="ru-RU" dirty="0"/>
-              <a:t>ВИДЫ И ЦЕЛИ ОСНОВНЫХ БИБЛИОТЕК</a:t>
-            </a:r>
-          </a:p>
-        </p:txBody>
-      </p:sp>
-      <p:sp>
-        <p:nvSpPr>
-          <p:cNvPr id="3" name="Объект 2">
+              <a:rPr lang="en-US" dirty="0"/>
+              <a:t>Django</a:t>
+            </a:r>
+            <a:endParaRPr lang="ru-RU" dirty="0"/>
+          </a:p>
+        </p:txBody>
+      </p:sp>
+      <p:sp>
+        <p:nvSpPr>
+          <p:cNvPr id="7" name="Объект 6">
             <a:extLst>
               <a:ext uri="{FF2B5EF4-FFF2-40B4-BE49-F238E27FC236}">
-                <a16:creationId xmlns:a16="http://schemas.microsoft.com/office/drawing/2014/main" id="{BF082F17-FCD8-4D9C-8E88-AB47C1D18CB0}"/>
+                <a16:creationId xmlns:a16="http://schemas.microsoft.com/office/drawing/2014/main" id="{CA93DD5C-D5C1-477C-A762-1F384ECB9342}"/>
               </a:ext>
             </a:extLst>
           </p:cNvPr>
@@ -6703,122 +6516,96 @@
         </p:nvSpPr>
         <p:spPr>
           <a:xfrm>
-            <a:off x="1451579" y="2015731"/>
-            <a:ext cx="9603275" cy="3909079"/>
+            <a:off x="913775" y="2367093"/>
+            <a:ext cx="10364452" cy="3769938"/>
           </a:xfrm>
         </p:spPr>
         <p:txBody>
           <a:bodyPr>
-            <a:normAutofit fontScale="92500"/>
+            <a:normAutofit fontScale="92500" lnSpcReduction="10000"/>
           </a:bodyPr>
           <a:lstStyle/>
           <a:p>
             <a:r>
               <a:rPr lang="en-US" dirty="0"/>
-              <a:t>1)jQuery – </a:t>
+              <a:t>Django – </a:t>
             </a:r>
             <a:r>
               <a:rPr lang="ru-RU" dirty="0"/>
-              <a:t>это </a:t>
+              <a:t>это высокоуровневый </a:t>
             </a:r>
             <a:r>
               <a:rPr lang="en-US" dirty="0"/>
-              <a:t>JavaScript </a:t>
+              <a:t>python </a:t>
             </a:r>
             <a:r>
               <a:rPr lang="ru-RU" dirty="0"/>
-              <a:t>библиотека, которая производит манипуляцию с </a:t>
+              <a:t>веб – фреймворк, который позволяет быстро создавать безопасные и поддерживаемые веб-сайты. Его основными особенностями являются: простота, гибкость, надежность и масштабируемость. Главная цель фреймворка </a:t>
             </a:r>
             <a:r>
               <a:rPr lang="en-US" dirty="0"/>
-              <a:t>html-</a:t>
+              <a:t>Django</a:t>
             </a:r>
             <a:r>
               <a:rPr lang="ru-RU" dirty="0"/>
-              <a:t>элементами, управляя их поведением и используя </a:t>
+              <a:t> – позволить разработчикам вместо того, чтобы снова и снова писать одни и те же части кода, сосредоточиться на тех частях своего приложения, которые являются новыми для их проекта. С </a:t>
             </a:r>
             <a:r>
               <a:rPr lang="en-US" dirty="0"/>
-              <a:t>DOM</a:t>
+              <a:t>Django </a:t>
             </a:r>
             <a:r>
               <a:rPr lang="ru-RU" dirty="0"/>
-              <a:t> для изменения структуры веб страницы. При этом исходные файлы </a:t>
+              <a:t>мы можем заниматься проектами любого размера и мощности, будь то веб-сайт или веб-приложение с высокой нагрузкой. Один из известных интернет-платформ «</a:t>
             </a:r>
             <a:r>
               <a:rPr lang="en-US" dirty="0"/>
-              <a:t>HTML</a:t>
+              <a:t>YouTube</a:t>
             </a:r>
             <a:r>
               <a:rPr lang="ru-RU" dirty="0"/>
-              <a:t> и </a:t>
+              <a:t>» был написан на </a:t>
             </a:r>
             <a:r>
               <a:rPr lang="en-US" dirty="0"/>
-              <a:t>CSS</a:t>
+              <a:t>PHP</a:t>
             </a:r>
             <a:r>
               <a:rPr lang="ru-RU" dirty="0"/>
-              <a:t> н меняются, изменения вносятся лишь в отображении страницы для пользователя.</a:t>
-            </a:r>
-          </a:p>
-          <a:p>
+              <a:t>, но проект сразу столкнулся с трудностями производительности и масштабирования и был переписан на </a:t>
+            </a:r>
+            <a:r>
+              <a:rPr lang="en-US" dirty="0"/>
+              <a:t>Django</a:t>
+            </a:r>
             <a:r>
               <a:rPr lang="ru-RU" dirty="0"/>
-              <a:t>Преимущества </a:t>
+              <a:t>. Также на </a:t>
             </a:r>
             <a:r>
               <a:rPr lang="en-US" dirty="0"/>
-              <a:t> jQuery </a:t>
+              <a:t>Django </a:t>
             </a:r>
             <a:r>
               <a:rPr lang="ru-RU" dirty="0"/>
-              <a:t>по сравнению с нативным </a:t>
+              <a:t>был написан </a:t>
             </a:r>
             <a:r>
               <a:rPr lang="en-US" dirty="0"/>
-              <a:t>JS</a:t>
+              <a:t>Instagram</a:t>
             </a:r>
             <a:r>
               <a:rPr lang="ru-RU" dirty="0"/>
-              <a:t>:</a:t>
-            </a:r>
-            <a:endParaRPr lang="en-US" dirty="0"/>
-          </a:p>
-          <a:p>
+              <a:t>, </a:t>
+            </a:r>
+            <a:r>
+              <a:rPr lang="en-US" dirty="0"/>
+              <a:t>dropbox</a:t>
+            </a:r>
             <a:r>
               <a:rPr lang="ru-RU" dirty="0"/>
-              <a:t>1)Простая работа с событиями</a:t>
-            </a:r>
-          </a:p>
-          <a:p>
-            <a:r>
-              <a:rPr lang="ru-RU" dirty="0"/>
-              <a:t>2)Кроссбраузерность</a:t>
-            </a:r>
-          </a:p>
-          <a:p>
-            <a:r>
-              <a:rPr lang="ru-RU" dirty="0"/>
-              <a:t>3)Удобная работа с </a:t>
-            </a:r>
-            <a:r>
-              <a:rPr lang="en-US" dirty="0"/>
-              <a:t>AJAX </a:t>
-            </a:r>
-            <a:r>
-              <a:rPr lang="ru-RU" dirty="0"/>
-              <a:t>запросами</a:t>
-            </a:r>
-          </a:p>
-          <a:p>
-            <a:r>
-              <a:rPr lang="ru-RU" dirty="0"/>
-              <a:t>4)Удобные методы для работы с эффектами</a:t>
-            </a:r>
-          </a:p>
-          <a:p>
-            <a:endParaRPr lang="ru-RU" dirty="0"/>
+              <a:t> и т. д.</a:t>
+            </a:r>
           </a:p>
         </p:txBody>
       </p:sp>
@@ -6868,152 +6655,63 @@
             <p:ph type="title"/>
           </p:nvPr>
         </p:nvSpPr>
-        <p:spPr/>
+        <p:spPr>
+          <a:xfrm>
+            <a:off x="913774" y="241415"/>
+            <a:ext cx="10364451" cy="1596177"/>
+          </a:xfrm>
+        </p:spPr>
         <p:txBody>
           <a:bodyPr/>
           <a:lstStyle/>
           <a:p>
             <a:r>
               <a:rPr lang="ru-RU" dirty="0"/>
-              <a:t>ВИДЫ И цели основных библиотек</a:t>
-            </a:r>
-          </a:p>
-        </p:txBody>
-      </p:sp>
-      <p:sp>
-        <p:nvSpPr>
-          <p:cNvPr id="3" name="Объект 2">
+              <a:t>Пример работы на </a:t>
+            </a:r>
+            <a:r>
+              <a:rPr lang="en-US" dirty="0"/>
+              <a:t>Django</a:t>
+            </a:r>
+            <a:endParaRPr lang="ru-RU" dirty="0"/>
+          </a:p>
+        </p:txBody>
+      </p:sp>
+      <p:pic>
+        <p:nvPicPr>
+          <p:cNvPr id="7" name="Объект 6">
             <a:extLst>
               <a:ext uri="{FF2B5EF4-FFF2-40B4-BE49-F238E27FC236}">
-                <a16:creationId xmlns:a16="http://schemas.microsoft.com/office/drawing/2014/main" id="{54EB80D2-0CC3-43CE-A632-6ED2599DAF8C}"/>
+                <a16:creationId xmlns:a16="http://schemas.microsoft.com/office/drawing/2014/main" id="{68F3BFFE-588B-4D9E-9367-2AA28E17F24B}"/>
               </a:ext>
             </a:extLst>
           </p:cNvPr>
-          <p:cNvSpPr>
-            <a:spLocks noGrp="1"/>
-          </p:cNvSpPr>
+          <p:cNvPicPr>
+            <a:picLocks noGrp="1" noChangeAspect="1"/>
+          </p:cNvPicPr>
           <p:nvPr>
             <p:ph idx="1"/>
           </p:nvPr>
-        </p:nvSpPr>
-        <p:spPr>
-          <a:xfrm>
-            <a:off x="1451579" y="2015733"/>
-            <a:ext cx="9603275" cy="5009321"/>
-          </a:xfrm>
-        </p:spPr>
-        <p:txBody>
-          <a:bodyPr>
-            <a:normAutofit fontScale="85000" lnSpcReduction="10000"/>
-          </a:bodyPr>
-          <a:lstStyle/>
-          <a:p>
-            <a:r>
-              <a:rPr lang="ru-RU" dirty="0"/>
-              <a:t>2)</a:t>
-            </a:r>
-            <a:r>
-              <a:rPr lang="en-US" dirty="0"/>
-              <a:t>KnockoutJS </a:t>
-            </a:r>
-            <a:r>
-              <a:rPr lang="ru-RU" dirty="0"/>
-              <a:t>представляет собой библиотеку на языке </a:t>
-            </a:r>
-            <a:r>
-              <a:rPr lang="en-US" dirty="0"/>
-              <a:t>JavaScript</a:t>
-            </a:r>
-            <a:r>
-              <a:rPr lang="ru-RU" dirty="0"/>
-              <a:t>, которая реализует паттерн </a:t>
-            </a:r>
-            <a:r>
-              <a:rPr lang="en-US" dirty="0"/>
-              <a:t>MVVM </a:t>
-            </a:r>
-            <a:r>
-              <a:rPr lang="ru-RU" dirty="0"/>
-              <a:t>(</a:t>
-            </a:r>
-            <a:r>
-              <a:rPr lang="en-US" dirty="0"/>
-              <a:t>Model –View –ViewModel)</a:t>
-            </a:r>
-            <a:r>
-              <a:rPr lang="ru-RU" dirty="0"/>
-              <a:t> и предназначена для создания функциональных пользовательских интерфейсов на </a:t>
-            </a:r>
-            <a:r>
-              <a:rPr lang="en-US" dirty="0"/>
-              <a:t>JavaScript </a:t>
-            </a:r>
-            <a:r>
-              <a:rPr lang="ru-RU" dirty="0"/>
-              <a:t>и </a:t>
-            </a:r>
-            <a:r>
-              <a:rPr lang="en-US" dirty="0"/>
-              <a:t>HTML</a:t>
-            </a:r>
-            <a:r>
-              <a:rPr lang="ru-RU" dirty="0"/>
-              <a:t>.Основная концепция библиотеки заключается в том, что библиотека позволяет автоматически отслеживать изменения в интерфейсе и в соответствии с изменениями в элементах интерфейса синхронизировать используемый источник данных. Иначе говоря </a:t>
-            </a:r>
-            <a:r>
-              <a:rPr lang="en-US" dirty="0"/>
-              <a:t>KnockoutJS</a:t>
-            </a:r>
-            <a:r>
-              <a:rPr lang="ru-RU" dirty="0"/>
-              <a:t> позволяет простой подход к использованию привязки данных.</a:t>
-            </a:r>
-          </a:p>
-          <a:p>
-            <a:r>
-              <a:rPr lang="ru-RU" dirty="0"/>
-              <a:t>Преимущества </a:t>
-            </a:r>
-            <a:r>
-              <a:rPr lang="en-US" dirty="0"/>
-              <a:t>KnockoutJS</a:t>
-            </a:r>
-            <a:r>
-              <a:rPr lang="ru-RU" dirty="0"/>
-              <a:t>:</a:t>
-            </a:r>
-          </a:p>
-          <a:p>
-            <a:r>
-              <a:rPr lang="ru-RU" dirty="0"/>
-              <a:t>1) Для ее добавления не надо вносить существенных изменений в уже существующий код веб-страниц</a:t>
-            </a:r>
-          </a:p>
-          <a:p>
-            <a:r>
-              <a:rPr lang="ru-RU" dirty="0"/>
-              <a:t>2)Компактность и легковесность – она весит всего 13 кБ после сжатия</a:t>
-            </a:r>
-          </a:p>
-          <a:p>
-            <a:r>
-              <a:rPr lang="ru-RU" dirty="0"/>
-              <a:t>3)Поддержка большинства браузеров – от самых последний до довольно старых</a:t>
-            </a:r>
-          </a:p>
-          <a:p>
-            <a:r>
-              <a:rPr lang="ru-RU" dirty="0"/>
-              <a:t>4) При необходимости можно легко добавить кастомное поведение к уже имеющимся возможностям </a:t>
-            </a:r>
-            <a:r>
-              <a:rPr lang="ru-RU" dirty="0" err="1"/>
-              <a:t>бибилиотеки</a:t>
-            </a:r>
-            <a:endParaRPr lang="ru-RU" dirty="0"/>
-          </a:p>
-        </p:txBody>
-      </p:sp>
+        </p:nvPicPr>
+        <p:blipFill>
+          <a:blip r:embed="rId2">
+            <a:extLst>
+              <a:ext uri="{28A0092B-C50C-407E-A947-70E740481C1C}">
+                <a14:useLocalDpi xmlns:a14="http://schemas.microsoft.com/office/drawing/2010/main" val="0"/>
+              </a:ext>
+            </a:extLst>
+          </a:blip>
+          <a:stretch>
+            <a:fillRect/>
+          </a:stretch>
+        </p:blipFill>
+        <p:spPr>
+          <a:xfrm>
+            <a:off x="913774" y="1591407"/>
+            <a:ext cx="10364451" cy="4888524"/>
+          </a:xfrm>
+        </p:spPr>
+      </p:pic>
     </p:spTree>
     <p:extLst>
       <p:ext uri="{BB962C8B-B14F-4D97-AF65-F5344CB8AC3E}">
@@ -7049,7 +6747,7 @@
           <p:cNvPr id="2" name="Заголовок 1">
             <a:extLst>
               <a:ext uri="{FF2B5EF4-FFF2-40B4-BE49-F238E27FC236}">
-                <a16:creationId xmlns:a16="http://schemas.microsoft.com/office/drawing/2014/main" id="{974434E1-2C4F-4137-8D97-973002614922}"/>
+                <a16:creationId xmlns:a16="http://schemas.microsoft.com/office/drawing/2014/main" id="{52D12E99-7BC2-4314-ADE7-2BC0E0DC1DF1}"/>
               </a:ext>
             </a:extLst>
           </p:cNvPr>
@@ -7060,15 +6758,21 @@
             <p:ph type="title"/>
           </p:nvPr>
         </p:nvSpPr>
-        <p:spPr/>
-        <p:txBody>
-          <a:bodyPr/>
-          <a:lstStyle/>
-          <a:p>
-            <a:r>
-              <a:rPr lang="ru-RU" dirty="0"/>
-              <a:t>ВИДЫ И цели основных библиотек</a:t>
-            </a:r>
+        <p:spPr>
+          <a:xfrm>
+            <a:off x="913774" y="0"/>
+            <a:ext cx="10364451" cy="1596177"/>
+          </a:xfrm>
+        </p:spPr>
+        <p:txBody>
+          <a:bodyPr/>
+          <a:lstStyle/>
+          <a:p>
+            <a:r>
+              <a:rPr lang="en-US" dirty="0"/>
+              <a:t>matplotlib</a:t>
+            </a:r>
+            <a:endParaRPr lang="ru-RU" dirty="0"/>
           </a:p>
         </p:txBody>
       </p:sp>
@@ -7077,7 +6781,7 @@
           <p:cNvPr id="3" name="Объект 2">
             <a:extLst>
               <a:ext uri="{FF2B5EF4-FFF2-40B4-BE49-F238E27FC236}">
-                <a16:creationId xmlns:a16="http://schemas.microsoft.com/office/drawing/2014/main" id="{C917A0B2-1D96-41C1-A27F-21E94220909A}"/>
+                <a16:creationId xmlns:a16="http://schemas.microsoft.com/office/drawing/2014/main" id="{63381A28-3CA9-4DC6-9B6D-7EE6E64F6248}"/>
               </a:ext>
             </a:extLst>
           </p:cNvPr>
@@ -7090,195 +6794,109 @@
         </p:nvSpPr>
         <p:spPr>
           <a:xfrm>
-            <a:off x="913775" y="2367093"/>
-            <a:ext cx="10364452" cy="4306269"/>
-          </a:xfrm>
-        </p:spPr>
-        <p:txBody>
-          <a:bodyPr>
-            <a:normAutofit fontScale="70000" lnSpcReduction="20000"/>
-          </a:bodyPr>
-          <a:lstStyle/>
-          <a:p>
-            <a:pPr marL="0" indent="0">
-              <a:buNone/>
-            </a:pPr>
+            <a:off x="1013731" y="1127379"/>
+            <a:ext cx="10164535" cy="2706067"/>
+          </a:xfrm>
+        </p:spPr>
+        <p:txBody>
+          <a:bodyPr/>
+          <a:lstStyle/>
+          <a:p>
             <a:r>
               <a:rPr lang="en-US" dirty="0"/>
-              <a:t>3)React – </a:t>
+              <a:t>Matplotlib </a:t>
             </a:r>
             <a:r>
               <a:rPr lang="ru-RU" dirty="0"/>
-              <a:t>это библиотека </a:t>
+              <a:t>– это библиотека </a:t>
             </a:r>
             <a:r>
               <a:rPr lang="en-US" dirty="0"/>
-              <a:t>JavaScript </a:t>
+              <a:t>python</a:t>
             </a:r>
             <a:r>
               <a:rPr lang="ru-RU" dirty="0"/>
-              <a:t>с открытым исходным кодом, которая используется для создания пользовательского интерфейса. Она была создана компанией </a:t>
-            </a:r>
-            <a:r>
-              <a:rPr lang="en-US" dirty="0"/>
-              <a:t>Facebook</a:t>
-            </a:r>
-            <a:r>
-              <a:rPr lang="ru-RU" dirty="0"/>
-              <a:t> и представлена разработчикам в 2013 году.</a:t>
-            </a:r>
-          </a:p>
-          <a:p>
-            <a:pPr marL="0" indent="0">
-              <a:buNone/>
-            </a:pPr>
-            <a:r>
-              <a:rPr lang="ru-RU" dirty="0"/>
-              <a:t>Особенности </a:t>
-            </a:r>
-            <a:r>
-              <a:rPr lang="en-US" dirty="0"/>
-              <a:t>React</a:t>
-            </a:r>
-            <a:r>
-              <a:rPr lang="ru-RU" dirty="0"/>
-              <a:t>:</a:t>
-            </a:r>
-          </a:p>
-          <a:p>
-            <a:pPr marL="0" indent="0">
-              <a:buNone/>
-            </a:pPr>
-            <a:r>
-              <a:rPr lang="ru-RU" dirty="0"/>
-              <a:t>1)Связывание </a:t>
-            </a:r>
-            <a:r>
-              <a:rPr lang="en-US" dirty="0"/>
-              <a:t>JavaScript </a:t>
-            </a:r>
-            <a:r>
-              <a:rPr lang="ru-RU" dirty="0"/>
-              <a:t>и </a:t>
-            </a:r>
-            <a:r>
-              <a:rPr lang="en-US" dirty="0"/>
-              <a:t>html</a:t>
-            </a:r>
-            <a:r>
-              <a:rPr lang="ru-RU" dirty="0"/>
-              <a:t> в </a:t>
-            </a:r>
-            <a:r>
-              <a:rPr lang="en-US" dirty="0"/>
-              <a:t>jsx</a:t>
-            </a:r>
-            <a:r>
-              <a:rPr lang="ru-RU" dirty="0"/>
-              <a:t> делает компоненты простыми для понимания</a:t>
-            </a:r>
-          </a:p>
-          <a:p>
-            <a:pPr marL="0" indent="0">
-              <a:buNone/>
-            </a:pPr>
-            <a:r>
-              <a:rPr lang="ru-RU" dirty="0"/>
-              <a:t>2)Визуальный </a:t>
-            </a:r>
-            <a:r>
-              <a:rPr lang="en-US" dirty="0"/>
-              <a:t>dom </a:t>
-            </a:r>
-            <a:r>
-              <a:rPr lang="ru-RU" dirty="0"/>
-              <a:t>– это легковесная копия обычного </a:t>
-            </a:r>
-            <a:r>
-              <a:rPr lang="en-US" dirty="0"/>
-              <a:t>dom</a:t>
-            </a:r>
-            <a:r>
-              <a:rPr lang="ru-RU" dirty="0"/>
-              <a:t>. И отличительной особенностью является то, что данная библиотека работает именно с виртуальным </a:t>
-            </a:r>
-            <a:r>
-              <a:rPr lang="en-US" dirty="0"/>
-              <a:t>dom</a:t>
-            </a:r>
-            <a:r>
-              <a:rPr lang="ru-RU" dirty="0"/>
-              <a:t>, а не с обычным.</a:t>
-            </a:r>
-          </a:p>
-          <a:p>
-            <a:pPr marL="0" indent="0">
-              <a:buNone/>
-            </a:pPr>
-            <a:r>
-              <a:rPr lang="ru-RU" dirty="0"/>
-              <a:t>Недостатки:</a:t>
-            </a:r>
-          </a:p>
-          <a:p>
-            <a:pPr marL="0" indent="0">
-              <a:buNone/>
-            </a:pPr>
-            <a:r>
-              <a:rPr lang="ru-RU" dirty="0"/>
-              <a:t>1)</a:t>
-            </a:r>
-            <a:r>
-              <a:rPr lang="en-US" dirty="0"/>
-              <a:t>React</a:t>
-            </a:r>
-            <a:r>
-              <a:rPr lang="ru-RU" dirty="0"/>
-              <a:t>-это только представление. Для полной функциональности необходимо подключение многих дополнительных библиотек</a:t>
-            </a:r>
-          </a:p>
-          <a:p>
-            <a:pPr marL="0" indent="0">
-              <a:buNone/>
-            </a:pPr>
-            <a:r>
-              <a:rPr lang="ru-RU" dirty="0"/>
-              <a:t>2)Достаточно большой вес самой библиотеки</a:t>
-            </a:r>
-          </a:p>
-          <a:p>
-            <a:pPr marL="0" indent="0">
-              <a:buNone/>
-            </a:pPr>
-            <a:r>
-              <a:rPr lang="ru-RU" dirty="0"/>
-              <a:t>3)Нехватка официальной документации. Сверхбыстрая разработка </a:t>
-            </a:r>
-            <a:r>
-              <a:rPr lang="en-US" dirty="0"/>
-              <a:t>ReactJS </a:t>
-            </a:r>
-            <a:r>
-              <a:rPr lang="ru-RU" dirty="0"/>
-              <a:t>не оставляет места для правильной документации, которая сейчас немного хаотична</a:t>
-            </a:r>
-          </a:p>
-          <a:p>
-            <a:pPr marL="0" indent="0">
-              <a:buNone/>
-            </a:pPr>
-            <a:r>
-              <a:rPr lang="ru-RU" dirty="0"/>
-              <a:t>4)Плохая кроссбраузерная поддержка</a:t>
-            </a:r>
-            <a:endParaRPr lang="en-US" dirty="0"/>
-          </a:p>
-        </p:txBody>
-      </p:sp>
+              <a:t>, широко используемая для визуализации данных. Визуализация данных – это представление данных в виде, который обеспечивает наиболее эффективную работу человека по их изучению. даже в повседневной жизни мы сталкиваемся с визуализацией данных, будь то статистика пройденных шагов, количество минут, проведенных в интернете и т.д.</a:t>
+            </a:r>
+          </a:p>
+        </p:txBody>
+      </p:sp>
+      <p:pic>
+        <p:nvPicPr>
+          <p:cNvPr id="5" name="Рисунок 4">
+            <a:extLst>
+              <a:ext uri="{FF2B5EF4-FFF2-40B4-BE49-F238E27FC236}">
+                <a16:creationId xmlns:a16="http://schemas.microsoft.com/office/drawing/2014/main" id="{BAF83816-2A70-4822-86BC-9ABB4A1D8AC9}"/>
+              </a:ext>
+            </a:extLst>
+          </p:cNvPr>
+          <p:cNvPicPr>
+            <a:picLocks noChangeAspect="1"/>
+          </p:cNvPicPr>
+          <p:nvPr/>
+        </p:nvPicPr>
+        <p:blipFill>
+          <a:blip r:embed="rId2">
+            <a:extLst>
+              <a:ext uri="{28A0092B-C50C-407E-A947-70E740481C1C}">
+                <a14:useLocalDpi xmlns:a14="http://schemas.microsoft.com/office/drawing/2010/main" val="0"/>
+              </a:ext>
+            </a:extLst>
+          </a:blip>
+          <a:stretch>
+            <a:fillRect/>
+          </a:stretch>
+        </p:blipFill>
+        <p:spPr>
+          <a:xfrm>
+            <a:off x="691662" y="3429000"/>
+            <a:ext cx="4785946" cy="3429000"/>
+          </a:xfrm>
+          <a:prstGeom prst="rect">
+            <a:avLst/>
+          </a:prstGeom>
+        </p:spPr>
+      </p:pic>
+      <p:pic>
+        <p:nvPicPr>
+          <p:cNvPr id="7" name="Рисунок 6">
+            <a:extLst>
+              <a:ext uri="{FF2B5EF4-FFF2-40B4-BE49-F238E27FC236}">
+                <a16:creationId xmlns:a16="http://schemas.microsoft.com/office/drawing/2014/main" id="{FC9C5F03-87D1-40D8-B3C0-E7D566C64F97}"/>
+              </a:ext>
+            </a:extLst>
+          </p:cNvPr>
+          <p:cNvPicPr>
+            <a:picLocks noChangeAspect="1"/>
+          </p:cNvPicPr>
+          <p:nvPr/>
+        </p:nvPicPr>
+        <p:blipFill>
+          <a:blip r:embed="rId3">
+            <a:extLst>
+              <a:ext uri="{28A0092B-C50C-407E-A947-70E740481C1C}">
+                <a14:useLocalDpi xmlns:a14="http://schemas.microsoft.com/office/drawing/2010/main" val="0"/>
+              </a:ext>
+            </a:extLst>
+          </a:blip>
+          <a:stretch>
+            <a:fillRect/>
+          </a:stretch>
+        </p:blipFill>
+        <p:spPr>
+          <a:xfrm>
+            <a:off x="6095998" y="3428998"/>
+            <a:ext cx="4903179" cy="3429001"/>
+          </a:xfrm>
+          <a:prstGeom prst="rect">
+            <a:avLst/>
+          </a:prstGeom>
+        </p:spPr>
+      </p:pic>
     </p:spTree>
     <p:extLst>
       <p:ext uri="{BB962C8B-B14F-4D97-AF65-F5344CB8AC3E}">
-        <p14:creationId xmlns:p14="http://schemas.microsoft.com/office/powerpoint/2010/main" val="523302620"/>
+        <p14:creationId xmlns:p14="http://schemas.microsoft.com/office/powerpoint/2010/main" val="2649169996"/>
       </p:ext>
     </p:extLst>
   </p:cSld>
@@ -7310,7 +6928,7 @@
           <p:cNvPr id="2" name="Заголовок 1">
             <a:extLst>
               <a:ext uri="{FF2B5EF4-FFF2-40B4-BE49-F238E27FC236}">
-                <a16:creationId xmlns:a16="http://schemas.microsoft.com/office/drawing/2014/main" id="{94EA7A30-1186-4054-B127-C47D8A47A79A}"/>
+                <a16:creationId xmlns:a16="http://schemas.microsoft.com/office/drawing/2014/main" id="{9CBE04FE-F743-4F4F-A380-DD8C2329944C}"/>
               </a:ext>
             </a:extLst>
           </p:cNvPr>
@@ -7321,15 +6939,21 @@
             <p:ph type="title"/>
           </p:nvPr>
         </p:nvSpPr>
-        <p:spPr/>
-        <p:txBody>
-          <a:bodyPr/>
-          <a:lstStyle/>
-          <a:p>
-            <a:r>
-              <a:rPr lang="ru-RU" dirty="0"/>
-              <a:t>Фреймворк</a:t>
-            </a:r>
+        <p:spPr>
+          <a:xfrm>
+            <a:off x="975322" y="126148"/>
+            <a:ext cx="10364451" cy="1333375"/>
+          </a:xfrm>
+        </p:spPr>
+        <p:txBody>
+          <a:bodyPr/>
+          <a:lstStyle/>
+          <a:p>
+            <a:r>
+              <a:rPr lang="en-US" dirty="0"/>
+              <a:t>Pygame</a:t>
+            </a:r>
+            <a:endParaRPr lang="ru-RU" dirty="0"/>
           </a:p>
         </p:txBody>
       </p:sp>
@@ -7338,7 +6962,7 @@
           <p:cNvPr id="3" name="Объект 2">
             <a:extLst>
               <a:ext uri="{FF2B5EF4-FFF2-40B4-BE49-F238E27FC236}">
-                <a16:creationId xmlns:a16="http://schemas.microsoft.com/office/drawing/2014/main" id="{6D86B60E-C8E8-49A0-81D6-77E2E2F661A0}"/>
+                <a16:creationId xmlns:a16="http://schemas.microsoft.com/office/drawing/2014/main" id="{45776872-2D5D-4E3E-B2A1-A91CFA3214B7}"/>
               </a:ext>
             </a:extLst>
           </p:cNvPr>
@@ -7349,30 +6973,162 @@
             <p:ph idx="1"/>
           </p:nvPr>
         </p:nvSpPr>
-        <p:spPr/>
+        <p:spPr>
+          <a:xfrm>
+            <a:off x="913774" y="1109793"/>
+            <a:ext cx="10364452" cy="2398338"/>
+          </a:xfrm>
+        </p:spPr>
         <p:txBody>
           <a:bodyPr>
-            <a:normAutofit fontScale="92500" lnSpcReduction="10000"/>
+            <a:normAutofit fontScale="62500" lnSpcReduction="20000"/>
           </a:bodyPr>
           <a:lstStyle/>
           <a:p>
             <a:r>
+              <a:rPr lang="en-US" dirty="0"/>
+              <a:t>Python </a:t>
+            </a:r>
+            <a:r>
               <a:rPr lang="ru-RU" dirty="0"/>
-              <a:t>Фреймворк – программная платформа, определяющая структуру программной системы: программное обеспечение, облегчающее разработку и объединение разных компонентов большого программного проект. Употребляется также слово «каркас», а некоторые авторы используют его в качестве основного, в том числе не базируясь вообще на англоязычном аналоге.</a:t>
-            </a:r>
-          </a:p>
-          <a:p>
+              <a:t>является очень мощным языком, который позволяет нам создавать веб-сайты, игры, приложения и т. Д. Все это возможно благодаря различным библиотекам, одной из которых является «</a:t>
+            </a:r>
+            <a:r>
+              <a:rPr lang="en-US" dirty="0"/>
+              <a:t>Pygame</a:t>
+            </a:r>
             <a:r>
               <a:rPr lang="ru-RU" dirty="0"/>
-              <a:t>Фреймворк – это набор всевозможных библиотек (инструментов) для быстрой разработки повседневных задач. Чаще всего использует одну из распространенных архитектур приложения для разделения проекта на логические сегменты (модули). Главная цель фреймворка – предоставить программисту удобную среду для проекта с большим и хорошо расширяемым функционалом.</a:t>
-            </a:r>
-          </a:p>
-        </p:txBody>
-      </p:sp>
+              <a:t>», которая служит для создания 2</a:t>
+            </a:r>
+            <a:r>
+              <a:rPr lang="en-US" dirty="0"/>
+              <a:t>D </a:t>
+            </a:r>
+            <a:r>
+              <a:rPr lang="ru-RU" dirty="0"/>
+              <a:t>игр. </a:t>
+            </a:r>
+            <a:r>
+              <a:rPr lang="en-US" dirty="0"/>
+              <a:t>Pygame</a:t>
+            </a:r>
+            <a:r>
+              <a:rPr lang="ru-RU" dirty="0"/>
+              <a:t> дает необходимый минимальный инструментарий:</a:t>
+            </a:r>
+          </a:p>
+          <a:p>
+            <a:r>
+              <a:rPr lang="ru-RU" dirty="0"/>
+              <a:t>Рисование графических объектов</a:t>
+            </a:r>
+          </a:p>
+          <a:p>
+            <a:r>
+              <a:rPr lang="ru-RU" dirty="0"/>
+              <a:t>Отслеживание клавиатуры, мыши и т.д.</a:t>
+            </a:r>
+          </a:p>
+          <a:p>
+            <a:r>
+              <a:rPr lang="ru-RU" dirty="0"/>
+              <a:t>Отслеживание и изменение состояния объектов (анимации)</a:t>
+            </a:r>
+          </a:p>
+          <a:p>
+            <a:r>
+              <a:rPr lang="ru-RU" dirty="0"/>
+              <a:t>Быстрая отрисовка изменений на экране устройства пользователя</a:t>
+            </a:r>
+          </a:p>
+          <a:p>
+            <a:r>
+              <a:rPr lang="ru-RU" dirty="0"/>
+              <a:t>Работы со звуковыми эффектами</a:t>
+            </a:r>
+          </a:p>
+          <a:p>
+            <a:endParaRPr lang="ru-RU" dirty="0"/>
+          </a:p>
+        </p:txBody>
+      </p:sp>
+      <p:pic>
+        <p:nvPicPr>
+          <p:cNvPr id="5" name="Рисунок 4">
+            <a:extLst>
+              <a:ext uri="{FF2B5EF4-FFF2-40B4-BE49-F238E27FC236}">
+                <a16:creationId xmlns:a16="http://schemas.microsoft.com/office/drawing/2014/main" id="{589F131E-1013-4CD4-90EE-B93A4699034A}"/>
+              </a:ext>
+            </a:extLst>
+          </p:cNvPr>
+          <p:cNvPicPr>
+            <a:picLocks noChangeAspect="1"/>
+          </p:cNvPicPr>
+          <p:nvPr/>
+        </p:nvPicPr>
+        <p:blipFill>
+          <a:blip r:embed="rId2">
+            <a:extLst>
+              <a:ext uri="{28A0092B-C50C-407E-A947-70E740481C1C}">
+                <a14:useLocalDpi xmlns:a14="http://schemas.microsoft.com/office/drawing/2010/main" val="0"/>
+              </a:ext>
+            </a:extLst>
+          </a:blip>
+          <a:stretch>
+            <a:fillRect/>
+          </a:stretch>
+        </p:blipFill>
+        <p:spPr>
+          <a:xfrm>
+            <a:off x="6339254" y="3508130"/>
+            <a:ext cx="5424854" cy="3248760"/>
+          </a:xfrm>
+          <a:prstGeom prst="rect">
+            <a:avLst/>
+          </a:prstGeom>
+        </p:spPr>
+      </p:pic>
+      <p:pic>
+        <p:nvPicPr>
+          <p:cNvPr id="7" name="Рисунок 6">
+            <a:extLst>
+              <a:ext uri="{FF2B5EF4-FFF2-40B4-BE49-F238E27FC236}">
+                <a16:creationId xmlns:a16="http://schemas.microsoft.com/office/drawing/2014/main" id="{26ADACB6-9B44-4B67-9724-34C2FD0B76AB}"/>
+              </a:ext>
+            </a:extLst>
+          </p:cNvPr>
+          <p:cNvPicPr>
+            <a:picLocks noChangeAspect="1"/>
+          </p:cNvPicPr>
+          <p:nvPr/>
+        </p:nvPicPr>
+        <p:blipFill>
+          <a:blip r:embed="rId3">
+            <a:extLst>
+              <a:ext uri="{28A0092B-C50C-407E-A947-70E740481C1C}">
+                <a14:useLocalDpi xmlns:a14="http://schemas.microsoft.com/office/drawing/2010/main" val="0"/>
+              </a:ext>
+            </a:extLst>
+          </a:blip>
+          <a:stretch>
+            <a:fillRect/>
+          </a:stretch>
+        </p:blipFill>
+        <p:spPr>
+          <a:xfrm>
+            <a:off x="345831" y="3508131"/>
+            <a:ext cx="5750169" cy="3248759"/>
+          </a:xfrm>
+          <a:prstGeom prst="rect">
+            <a:avLst/>
+          </a:prstGeom>
+        </p:spPr>
+      </p:pic>
     </p:spTree>
     <p:extLst>
       <p:ext uri="{BB962C8B-B14F-4D97-AF65-F5344CB8AC3E}">
-        <p14:creationId xmlns:p14="http://schemas.microsoft.com/office/powerpoint/2010/main" val="1040935770"/>
+        <p14:creationId xmlns:p14="http://schemas.microsoft.com/office/powerpoint/2010/main" val="1034205500"/>
       </p:ext>
     </p:extLst>
   </p:cSld>
@@ -7404,7 +7160,7 @@
           <p:cNvPr id="2" name="Заголовок 1">
             <a:extLst>
               <a:ext uri="{FF2B5EF4-FFF2-40B4-BE49-F238E27FC236}">
-                <a16:creationId xmlns:a16="http://schemas.microsoft.com/office/drawing/2014/main" id="{D16667C2-68B0-4E98-BFC1-10E34491AA90}"/>
+                <a16:creationId xmlns:a16="http://schemas.microsoft.com/office/drawing/2014/main" id="{9FAEC34C-E28F-49F2-9739-5647D6607D9D}"/>
               </a:ext>
             </a:extLst>
           </p:cNvPr>
@@ -7415,187 +7171,115 @@
             <p:ph type="title"/>
           </p:nvPr>
         </p:nvSpPr>
-        <p:spPr/>
-        <p:txBody>
-          <a:bodyPr/>
-          <a:lstStyle/>
-          <a:p>
-            <a:r>
-              <a:rPr lang="ru-RU" dirty="0"/>
-              <a:t>Примеры фреймворков:</a:t>
-            </a:r>
-          </a:p>
-        </p:txBody>
-      </p:sp>
-      <p:pic>
-        <p:nvPicPr>
-          <p:cNvPr id="5" name="Объект 4">
+        <p:spPr>
+          <a:xfrm>
+            <a:off x="913776" y="0"/>
+            <a:ext cx="10364451" cy="1596177"/>
+          </a:xfrm>
+        </p:spPr>
+        <p:txBody>
+          <a:bodyPr/>
+          <a:lstStyle/>
+          <a:p>
+            <a:r>
+              <a:rPr lang="ru-RU" b="1" i="0" dirty="0">
+                <a:solidFill>
+                  <a:srgbClr val="202122"/>
+                </a:solidFill>
+                <a:effectLst/>
+                <a:latin typeface="Arial" panose="020B0604020202020204" pitchFamily="34" charset="0"/>
+              </a:rPr>
+              <a:t>TensorFlow</a:t>
+            </a:r>
+            <a:endParaRPr lang="ru-RU" dirty="0"/>
+          </a:p>
+        </p:txBody>
+      </p:sp>
+      <p:sp>
+        <p:nvSpPr>
+          <p:cNvPr id="3" name="Объект 2">
             <a:extLst>
               <a:ext uri="{FF2B5EF4-FFF2-40B4-BE49-F238E27FC236}">
-                <a16:creationId xmlns:a16="http://schemas.microsoft.com/office/drawing/2014/main" id="{85D71CCA-DDE4-4A17-8D4F-E7DBE5C9D0B9}"/>
+                <a16:creationId xmlns:a16="http://schemas.microsoft.com/office/drawing/2014/main" id="{B28A5A22-1C46-4668-B33D-4D0D3B81101F}"/>
               </a:ext>
             </a:extLst>
           </p:cNvPr>
-          <p:cNvPicPr>
-            <a:picLocks noGrp="1" noChangeAspect="1"/>
-          </p:cNvPicPr>
+          <p:cNvSpPr>
+            <a:spLocks noGrp="1"/>
+          </p:cNvSpPr>
           <p:nvPr>
             <p:ph idx="1"/>
           </p:nvPr>
-        </p:nvPicPr>
-        <p:blipFill>
-          <a:blip r:embed="rId2">
-            <a:extLst>
-              <a:ext uri="{28A0092B-C50C-407E-A947-70E740481C1C}">
-                <a14:useLocalDpi xmlns:a14="http://schemas.microsoft.com/office/drawing/2010/main" val="0"/>
-              </a:ext>
-            </a:extLst>
-          </a:blip>
-          <a:stretch>
-            <a:fillRect/>
-          </a:stretch>
-        </p:blipFill>
-        <p:spPr>
-          <a:xfrm>
-            <a:off x="1143001" y="1749668"/>
-            <a:ext cx="9706708" cy="4695093"/>
-          </a:xfrm>
-        </p:spPr>
-      </p:pic>
+        </p:nvSpPr>
+        <p:spPr>
+          <a:xfrm>
+            <a:off x="913774" y="2409093"/>
+            <a:ext cx="10364452" cy="3121270"/>
+          </a:xfrm>
+        </p:spPr>
+        <p:txBody>
+          <a:bodyPr>
+            <a:normAutofit/>
+          </a:bodyPr>
+          <a:lstStyle/>
+          <a:p>
+            <a:r>
+              <a:rPr lang="ru-RU" b="1" i="0" dirty="0">
+                <a:solidFill>
+                  <a:srgbClr val="202122"/>
+                </a:solidFill>
+                <a:effectLst/>
+                <a:latin typeface="Arial" panose="020B0604020202020204" pitchFamily="34" charset="0"/>
+              </a:rPr>
+              <a:t>TensorFlow</a:t>
+            </a:r>
+            <a:r>
+              <a:rPr lang="ru-RU" b="0" i="0" dirty="0">
+                <a:solidFill>
+                  <a:srgbClr val="202122"/>
+                </a:solidFill>
+                <a:effectLst/>
+                <a:latin typeface="Arial" panose="020B0604020202020204" pitchFamily="34" charset="0"/>
+              </a:rPr>
+              <a:t> — открытая программная библиотека для машинного обучения, разработанная компанией </a:t>
+            </a:r>
+            <a:r>
+              <a:rPr lang="en-US" b="0" i="0" dirty="0">
+                <a:solidFill>
+                  <a:srgbClr val="202122"/>
+                </a:solidFill>
+                <a:effectLst/>
+                <a:latin typeface="Arial" panose="020B0604020202020204" pitchFamily="34" charset="0"/>
+              </a:rPr>
+              <a:t>google</a:t>
+            </a:r>
+            <a:r>
+              <a:rPr lang="ru-RU" dirty="0">
+                <a:solidFill>
+                  <a:srgbClr val="202122"/>
+                </a:solidFill>
+                <a:latin typeface="Arial" panose="020B0604020202020204" pitchFamily="34" charset="0"/>
+              </a:rPr>
+              <a:t> для решения задач построения и тренировки нейронной сети, достигая качества человеческого восприятия. </a:t>
+            </a:r>
+            <a:r>
+              <a:rPr lang="ru-RU" b="0" i="0" dirty="0">
+                <a:solidFill>
+                  <a:srgbClr val="030303"/>
+                </a:solidFill>
+                <a:effectLst/>
+                <a:latin typeface="Roboto"/>
+              </a:rPr>
+              <a:t>Машинное обучение представляет собой новый способ программирования, где вместо задания правил на таком языке программирования как Java или C++, мы создаем систему, которая сама выводит эти правила, обучаясь на данных.</a:t>
+            </a:r>
+            <a:endParaRPr lang="ru-RU" dirty="0"/>
+          </a:p>
+        </p:txBody>
+      </p:sp>
     </p:spTree>
     <p:extLst>
       <p:ext uri="{BB962C8B-B14F-4D97-AF65-F5344CB8AC3E}">
-        <p14:creationId xmlns:p14="http://schemas.microsoft.com/office/powerpoint/2010/main" val="1728074421"/>
-      </p:ext>
-    </p:extLst>
-  </p:cSld>
-  <p:clrMapOvr>
-    <a:masterClrMapping/>
-  </p:clrMapOvr>
-</p:sld>
-</file>
-
-<file path=ppt/slides/slide8.xml><?xml version="1.0" encoding="utf-8"?>
-<p:sld xmlns:a="http://schemas.openxmlformats.org/drawingml/2006/main" xmlns:r="http://schemas.openxmlformats.org/officeDocument/2006/relationships" xmlns:p="http://schemas.openxmlformats.org/presentationml/2006/main">
-  <p:cSld>
-    <p:spTree>
-      <p:nvGrpSpPr>
-        <p:cNvPr id="1" name=""/>
-        <p:cNvGrpSpPr/>
-        <p:nvPr/>
-      </p:nvGrpSpPr>
-      <p:grpSpPr>
-        <a:xfrm>
-          <a:off x="0" y="0"/>
-          <a:ext cx="0" cy="0"/>
-          <a:chOff x="0" y="0"/>
-          <a:chExt cx="0" cy="0"/>
-        </a:xfrm>
-      </p:grpSpPr>
-      <p:pic>
-        <p:nvPicPr>
-          <p:cNvPr id="9" name="Объект 8">
-            <a:extLst>
-              <a:ext uri="{FF2B5EF4-FFF2-40B4-BE49-F238E27FC236}">
-                <a16:creationId xmlns:a16="http://schemas.microsoft.com/office/drawing/2014/main" id="{3AF96B3C-49C1-438D-BB69-1E1363E0B677}"/>
-              </a:ext>
-            </a:extLst>
-          </p:cNvPr>
-          <p:cNvPicPr>
-            <a:picLocks noGrp="1" noChangeAspect="1"/>
-          </p:cNvPicPr>
-          <p:nvPr>
-            <p:ph idx="1"/>
-          </p:nvPr>
-        </p:nvPicPr>
-        <p:blipFill>
-          <a:blip r:embed="rId2">
-            <a:extLst>
-              <a:ext uri="{28A0092B-C50C-407E-A947-70E740481C1C}">
-                <a14:useLocalDpi xmlns:a14="http://schemas.microsoft.com/office/drawing/2010/main" val="0"/>
-              </a:ext>
-            </a:extLst>
-          </a:blip>
-          <a:stretch>
-            <a:fillRect/>
-          </a:stretch>
-        </p:blipFill>
-        <p:spPr>
-          <a:xfrm>
-            <a:off x="1230922" y="692728"/>
-            <a:ext cx="9908931" cy="5711466"/>
-          </a:xfrm>
-        </p:spPr>
-      </p:pic>
-    </p:spTree>
-    <p:extLst>
-      <p:ext uri="{BB962C8B-B14F-4D97-AF65-F5344CB8AC3E}">
-        <p14:creationId xmlns:p14="http://schemas.microsoft.com/office/powerpoint/2010/main" val="1804458769"/>
-      </p:ext>
-    </p:extLst>
-  </p:cSld>
-  <p:clrMapOvr>
-    <a:masterClrMapping/>
-  </p:clrMapOvr>
-</p:sld>
-</file>
-
-<file path=ppt/slides/slide9.xml><?xml version="1.0" encoding="utf-8"?>
-<p:sld xmlns:a="http://schemas.openxmlformats.org/drawingml/2006/main" xmlns:r="http://schemas.openxmlformats.org/officeDocument/2006/relationships" xmlns:p="http://schemas.openxmlformats.org/presentationml/2006/main">
-  <p:cSld>
-    <p:spTree>
-      <p:nvGrpSpPr>
-        <p:cNvPr id="1" name=""/>
-        <p:cNvGrpSpPr/>
-        <p:nvPr/>
-      </p:nvGrpSpPr>
-      <p:grpSpPr>
-        <a:xfrm>
-          <a:off x="0" y="0"/>
-          <a:ext cx="0" cy="0"/>
-          <a:chOff x="0" y="0"/>
-          <a:chExt cx="0" cy="0"/>
-        </a:xfrm>
-      </p:grpSpPr>
-      <p:pic>
-        <p:nvPicPr>
-          <p:cNvPr id="5" name="Объект 4">
-            <a:extLst>
-              <a:ext uri="{FF2B5EF4-FFF2-40B4-BE49-F238E27FC236}">
-                <a16:creationId xmlns:a16="http://schemas.microsoft.com/office/drawing/2014/main" id="{D685C25D-F35F-40DC-8C02-CFED7C525793}"/>
-              </a:ext>
-            </a:extLst>
-          </p:cNvPr>
-          <p:cNvPicPr>
-            <a:picLocks noGrp="1" noChangeAspect="1"/>
-          </p:cNvPicPr>
-          <p:nvPr>
-            <p:ph idx="1"/>
-          </p:nvPr>
-        </p:nvPicPr>
-        <p:blipFill>
-          <a:blip r:embed="rId2">
-            <a:extLst>
-              <a:ext uri="{28A0092B-C50C-407E-A947-70E740481C1C}">
-                <a14:useLocalDpi xmlns:a14="http://schemas.microsoft.com/office/drawing/2010/main" val="0"/>
-              </a:ext>
-            </a:extLst>
-          </a:blip>
-          <a:stretch>
-            <a:fillRect/>
-          </a:stretch>
-        </p:blipFill>
-        <p:spPr>
-          <a:xfrm>
-            <a:off x="1081454" y="923192"/>
-            <a:ext cx="9900138" cy="5433646"/>
-          </a:xfrm>
-        </p:spPr>
-      </p:pic>
-    </p:spTree>
-    <p:extLst>
-      <p:ext uri="{BB962C8B-B14F-4D97-AF65-F5344CB8AC3E}">
-        <p14:creationId xmlns:p14="http://schemas.microsoft.com/office/powerpoint/2010/main" val="3976234144"/>
+        <p14:creationId xmlns:p14="http://schemas.microsoft.com/office/powerpoint/2010/main" val="2546566339"/>
       </p:ext>
     </p:extLst>
   </p:cSld>
